--- a/ClassMaterials/EventBasedGameLoop/Slides/Part3-MilestonesM0andM1.pptx
+++ b/ClassMaterials/EventBasedGameLoop/Slides/Part3-MilestonesM0andM1.pptx
@@ -198,6 +198,121 @@
 </p:cmAuthorLst>
 </file>
 
+<file path=ppt/changesInfos/changesInfo1.xml><?xml version="1.0" encoding="utf-8"?>
+<pc:chgInfo xmlns:a="http://schemas.openxmlformats.org/drawingml/2006/main" xmlns:r="http://schemas.openxmlformats.org/officeDocument/2006/relationships" xmlns:ac="http://schemas.microsoft.com/office/drawing/2013/main/command" xmlns:pc="http://schemas.microsoft.com/office/powerpoint/2013/main/command">
+  <pc:docChgLst>
+    <pc:chgData name="Yoder, Jason" userId="28f4d4d8-da04-4f86-b14d-a21675737bc5" providerId="ADAL" clId="{96FE0073-F0BD-452C-8952-EEE53110F797}"/>
+    <pc:docChg chg="custSel modSld">
+      <pc:chgData name="Yoder, Jason" userId="28f4d4d8-da04-4f86-b14d-a21675737bc5" providerId="ADAL" clId="{96FE0073-F0BD-452C-8952-EEE53110F797}" dt="2023-10-16T00:37:25.843" v="68" actId="167"/>
+      <pc:docMkLst>
+        <pc:docMk/>
+      </pc:docMkLst>
+      <pc:sldChg chg="addSp delSp modSp mod">
+        <pc:chgData name="Yoder, Jason" userId="28f4d4d8-da04-4f86-b14d-a21675737bc5" providerId="ADAL" clId="{96FE0073-F0BD-452C-8952-EEE53110F797}" dt="2023-10-16T00:36:58.273" v="65" actId="20577"/>
+        <pc:sldMkLst>
+          <pc:docMk/>
+          <pc:sldMk cId="2952723959" sldId="333"/>
+        </pc:sldMkLst>
+        <pc:spChg chg="mod">
+          <ac:chgData name="Yoder, Jason" userId="28f4d4d8-da04-4f86-b14d-a21675737bc5" providerId="ADAL" clId="{96FE0073-F0BD-452C-8952-EEE53110F797}" dt="2023-10-16T00:36:58.273" v="65" actId="20577"/>
+          <ac:spMkLst>
+            <pc:docMk/>
+            <pc:sldMk cId="2952723959" sldId="333"/>
+            <ac:spMk id="2" creationId="{00000000-0000-0000-0000-000000000000}"/>
+          </ac:spMkLst>
+        </pc:spChg>
+        <pc:picChg chg="add del mod">
+          <ac:chgData name="Yoder, Jason" userId="28f4d4d8-da04-4f86-b14d-a21675737bc5" providerId="ADAL" clId="{96FE0073-F0BD-452C-8952-EEE53110F797}" dt="2023-10-16T00:35:37.163" v="21" actId="478"/>
+          <ac:picMkLst>
+            <pc:docMk/>
+            <pc:sldMk cId="2952723959" sldId="333"/>
+            <ac:picMk id="4" creationId="{0F766D9F-F241-4752-EC47-9550C818BCAB}"/>
+          </ac:picMkLst>
+        </pc:picChg>
+        <pc:picChg chg="add del mod">
+          <ac:chgData name="Yoder, Jason" userId="28f4d4d8-da04-4f86-b14d-a21675737bc5" providerId="ADAL" clId="{96FE0073-F0BD-452C-8952-EEE53110F797}" dt="2023-10-16T00:35:37.163" v="21" actId="478"/>
+          <ac:picMkLst>
+            <pc:docMk/>
+            <pc:sldMk cId="2952723959" sldId="333"/>
+            <ac:picMk id="6" creationId="{A4A5DE75-C7C7-0F07-AA4B-0DF6D0889DA2}"/>
+          </ac:picMkLst>
+        </pc:picChg>
+        <pc:picChg chg="add mod">
+          <ac:chgData name="Yoder, Jason" userId="28f4d4d8-da04-4f86-b14d-a21675737bc5" providerId="ADAL" clId="{96FE0073-F0BD-452C-8952-EEE53110F797}" dt="2023-10-16T00:35:43.349" v="24" actId="14100"/>
+          <ac:picMkLst>
+            <pc:docMk/>
+            <pc:sldMk cId="2952723959" sldId="333"/>
+            <ac:picMk id="8" creationId="{26AD70A1-CA52-29C1-7AA1-54642D5A6205}"/>
+          </ac:picMkLst>
+        </pc:picChg>
+        <pc:picChg chg="del">
+          <ac:chgData name="Yoder, Jason" userId="28f4d4d8-da04-4f86-b14d-a21675737bc5" providerId="ADAL" clId="{96FE0073-F0BD-452C-8952-EEE53110F797}" dt="2023-10-16T00:34:50.260" v="0" actId="478"/>
+          <ac:picMkLst>
+            <pc:docMk/>
+            <pc:sldMk cId="2952723959" sldId="333"/>
+            <ac:picMk id="13" creationId="{081CA7F6-9CA6-970E-64B1-AD2F418C22A0}"/>
+          </ac:picMkLst>
+        </pc:picChg>
+      </pc:sldChg>
+      <pc:sldChg chg="addSp delSp modSp mod">
+        <pc:chgData name="Yoder, Jason" userId="28f4d4d8-da04-4f86-b14d-a21675737bc5" providerId="ADAL" clId="{96FE0073-F0BD-452C-8952-EEE53110F797}" dt="2023-10-16T00:37:25.843" v="68" actId="167"/>
+        <pc:sldMkLst>
+          <pc:docMk/>
+          <pc:sldMk cId="1229919121" sldId="334"/>
+        </pc:sldMkLst>
+        <pc:picChg chg="add ord">
+          <ac:chgData name="Yoder, Jason" userId="28f4d4d8-da04-4f86-b14d-a21675737bc5" providerId="ADAL" clId="{96FE0073-F0BD-452C-8952-EEE53110F797}" dt="2023-10-16T00:37:25.843" v="68" actId="167"/>
+          <ac:picMkLst>
+            <pc:docMk/>
+            <pc:sldMk cId="1229919121" sldId="334"/>
+            <ac:picMk id="3" creationId="{FD1AED31-5F29-63A1-9284-6F24EFA146D0}"/>
+          </ac:picMkLst>
+        </pc:picChg>
+        <pc:picChg chg="del">
+          <ac:chgData name="Yoder, Jason" userId="28f4d4d8-da04-4f86-b14d-a21675737bc5" providerId="ADAL" clId="{96FE0073-F0BD-452C-8952-EEE53110F797}" dt="2023-10-16T00:37:22.880" v="66" actId="478"/>
+          <ac:picMkLst>
+            <pc:docMk/>
+            <pc:sldMk cId="1229919121" sldId="334"/>
+            <ac:picMk id="7" creationId="{6EA87882-F2BD-9C86-4EBC-832854B08C32}"/>
+          </ac:picMkLst>
+        </pc:picChg>
+      </pc:sldChg>
+      <pc:sldChg chg="addSp delSp modSp mod">
+        <pc:chgData name="Yoder, Jason" userId="28f4d4d8-da04-4f86-b14d-a21675737bc5" providerId="ADAL" clId="{96FE0073-F0BD-452C-8952-EEE53110F797}" dt="2023-10-16T00:36:13.729" v="41" actId="6549"/>
+        <pc:sldMkLst>
+          <pc:docMk/>
+          <pc:sldMk cId="2131883320" sldId="337"/>
+        </pc:sldMkLst>
+        <pc:spChg chg="mod">
+          <ac:chgData name="Yoder, Jason" userId="28f4d4d8-da04-4f86-b14d-a21675737bc5" providerId="ADAL" clId="{96FE0073-F0BD-452C-8952-EEE53110F797}" dt="2023-10-16T00:36:13.729" v="41" actId="6549"/>
+          <ac:spMkLst>
+            <pc:docMk/>
+            <pc:sldMk cId="2131883320" sldId="337"/>
+            <ac:spMk id="2" creationId="{00000000-0000-0000-0000-000000000000}"/>
+          </ac:spMkLst>
+        </pc:spChg>
+        <pc:picChg chg="add">
+          <ac:chgData name="Yoder, Jason" userId="28f4d4d8-da04-4f86-b14d-a21675737bc5" providerId="ADAL" clId="{96FE0073-F0BD-452C-8952-EEE53110F797}" dt="2023-10-16T00:36:01.971" v="26" actId="22"/>
+          <ac:picMkLst>
+            <pc:docMk/>
+            <pc:sldMk cId="2131883320" sldId="337"/>
+            <ac:picMk id="4" creationId="{0AC9AD83-84B4-101B-A72F-98E5CA2EEA88}"/>
+          </ac:picMkLst>
+        </pc:picChg>
+        <pc:picChg chg="del">
+          <ac:chgData name="Yoder, Jason" userId="28f4d4d8-da04-4f86-b14d-a21675737bc5" providerId="ADAL" clId="{96FE0073-F0BD-452C-8952-EEE53110F797}" dt="2023-10-16T00:35:59.912" v="25" actId="478"/>
+          <ac:picMkLst>
+            <pc:docMk/>
+            <pc:sldMk cId="2131883320" sldId="337"/>
+            <ac:picMk id="5" creationId="{4602BD55-AD71-4C35-ED08-F6D66F07529F}"/>
+          </ac:picMkLst>
+        </pc:picChg>
+      </pc:sldChg>
+    </pc:docChg>
+  </pc:docChgLst>
+</pc:chgInfo>
+</file>
+
 <file path=ppt/handoutMasters/handoutMaster1.xml><?xml version="1.0" encoding="utf-8"?>
 <p:handoutMaster xmlns:a="http://schemas.openxmlformats.org/drawingml/2006/main" xmlns:r="http://schemas.openxmlformats.org/officeDocument/2006/relationships" xmlns:p="http://schemas.openxmlformats.org/presentationml/2006/main">
   <p:cSld>
@@ -312,7 +427,7 @@
             <a:fld id="{68AFFCC9-E980-4A2E-8F84-91052C1F2C22}" type="datetime1">
               <a:rPr lang="en-US"/>
               <a:pPr/>
-              <a:t>1/23/2023</a:t>
+              <a:t>10/15/2023</a:t>
             </a:fld>
             <a:endParaRPr lang="en-US"/>
           </a:p>
@@ -541,7 +656,7 @@
             <a:fld id="{C4411CED-79EF-4046-B79B-F8927B54B6B0}" type="datetime1">
               <a:rPr lang="en-US"/>
               <a:pPr/>
-              <a:t>1/23/2023</a:t>
+              <a:t>10/15/2023</a:t>
             </a:fld>
             <a:endParaRPr lang="en-US"/>
           </a:p>
@@ -1232,7 +1347,7 @@
             <a:fld id="{43E6E5DC-7A70-4CAB-B8CA-FD7CFBA6DDCF}" type="datetime1">
               <a:rPr lang="en-US" smtClean="0"/>
               <a:pPr/>
-              <a:t>1/23/2023</a:t>
+              <a:t>10/15/2023</a:t>
             </a:fld>
             <a:endParaRPr lang="en-US"/>
           </a:p>
@@ -1405,7 +1520,7 @@
             <a:fld id="{34C58A64-F6CF-4D4F-A14E-4E9A6689521C}" type="datetime1">
               <a:rPr lang="en-US" smtClean="0"/>
               <a:pPr/>
-              <a:t>1/23/2023</a:t>
+              <a:t>10/15/2023</a:t>
             </a:fld>
             <a:endParaRPr lang="en-US"/>
           </a:p>
@@ -1588,7 +1703,7 @@
             <a:fld id="{28A961FD-7946-4EF3-8B09-2E96C5099CE1}" type="datetime1">
               <a:rPr lang="en-US" smtClean="0"/>
               <a:pPr/>
-              <a:t>1/23/2023</a:t>
+              <a:t>10/15/2023</a:t>
             </a:fld>
             <a:endParaRPr lang="en-US"/>
           </a:p>
@@ -1761,7 +1876,7 @@
             <a:fld id="{410E03A8-3A50-4824-93B1-5AB2817A85E6}" type="datetime1">
               <a:rPr lang="en-US" smtClean="0"/>
               <a:pPr/>
-              <a:t>1/23/2023</a:t>
+              <a:t>10/15/2023</a:t>
             </a:fld>
             <a:endParaRPr lang="en-US"/>
           </a:p>
@@ -2011,7 +2126,7 @@
             <a:fld id="{69EE78C3-2E3E-4EDD-A8FC-A11FEA9CDF04}" type="datetime1">
               <a:rPr lang="en-US" smtClean="0"/>
               <a:pPr/>
-              <a:t>1/23/2023</a:t>
+              <a:t>10/15/2023</a:t>
             </a:fld>
             <a:endParaRPr lang="en-US"/>
           </a:p>
@@ -2301,7 +2416,7 @@
             <a:fld id="{9CAD6738-AE48-490E-BA60-16B31C3E5798}" type="datetime1">
               <a:rPr lang="en-US" smtClean="0"/>
               <a:pPr/>
-              <a:t>1/23/2023</a:t>
+              <a:t>10/15/2023</a:t>
             </a:fld>
             <a:endParaRPr lang="en-US"/>
           </a:p>
@@ -2725,7 +2840,7 @@
             <a:fld id="{12137309-80BC-4890-B91A-AB9885E172E5}" type="datetime1">
               <a:rPr lang="en-US" smtClean="0"/>
               <a:pPr/>
-              <a:t>1/23/2023</a:t>
+              <a:t>10/15/2023</a:t>
             </a:fld>
             <a:endParaRPr lang="en-US"/>
           </a:p>
@@ -2847,7 +2962,7 @@
             <a:fld id="{79C16A63-0F78-4E9D-81E4-A84E1F25A0A3}" type="datetime1">
               <a:rPr lang="en-US" smtClean="0"/>
               <a:pPr/>
-              <a:t>1/23/2023</a:t>
+              <a:t>10/15/2023</a:t>
             </a:fld>
             <a:endParaRPr lang="en-US"/>
           </a:p>
@@ -2947,7 +3062,7 @@
             <a:fld id="{DC5FF9E9-979C-4422-A1BB-1DC64426F0DA}" type="datetime1">
               <a:rPr lang="en-US" smtClean="0"/>
               <a:pPr/>
-              <a:t>1/23/2023</a:t>
+              <a:t>10/15/2023</a:t>
             </a:fld>
             <a:endParaRPr lang="en-US"/>
           </a:p>
@@ -3227,7 +3342,7 @@
             <a:fld id="{B9B7020D-910B-4676-A902-AD52382F28B6}" type="datetime1">
               <a:rPr lang="en-US" smtClean="0"/>
               <a:pPr/>
-              <a:t>1/23/2023</a:t>
+              <a:t>10/15/2023</a:t>
             </a:fld>
             <a:endParaRPr lang="en-US"/>
           </a:p>
@@ -3484,7 +3599,7 @@
             <a:fld id="{4695FF79-924D-47D6-A727-6A03000C0C91}" type="datetime1">
               <a:rPr lang="en-US" smtClean="0"/>
               <a:pPr/>
-              <a:t>1/23/2023</a:t>
+              <a:t>10/15/2023</a:t>
             </a:fld>
             <a:endParaRPr lang="en-US"/>
           </a:p>
@@ -3700,7 +3815,7 @@
             <a:fld id="{A51E304D-C692-4D58-A925-D35D66927263}" type="datetime1">
               <a:rPr lang="en-US" smtClean="0"/>
               <a:pPr/>
-              <a:t>1/23/2023</a:t>
+              <a:t>10/15/2023</a:t>
             </a:fld>
             <a:endParaRPr lang="en-US"/>
           </a:p>
@@ -4292,18 +4407,18 @@
           <a:lstStyle/>
           <a:p>
             <a:r>
-              <a:rPr lang="en-US" sz="2400" b="1"/>
-              <a:t>M0: UML Class Diagram &amp; Shared Calendar Setup (50 points)</a:t>
+              <a:rPr lang="en-US" sz="2400" b="1" dirty="0"/>
+              <a:t>M 0.a: Shared Calendar, Git Repo, Team Setup</a:t>
             </a:r>
           </a:p>
         </p:txBody>
       </p:sp>
       <p:pic>
         <p:nvPicPr>
-          <p:cNvPr id="13" name="Picture 12">
+          <p:cNvPr id="8" name="Picture 7">
             <a:extLst>
               <a:ext uri="{FF2B5EF4-FFF2-40B4-BE49-F238E27FC236}">
-                <a16:creationId xmlns:a16="http://schemas.microsoft.com/office/drawing/2014/main" id="{081CA7F6-9CA6-970E-64B1-AD2F418C22A0}"/>
+                <a16:creationId xmlns:a16="http://schemas.microsoft.com/office/drawing/2014/main" id="{26AD70A1-CA52-29C1-7AA1-54642D5A6205}"/>
               </a:ext>
             </a:extLst>
           </p:cNvPr>
@@ -4312,15 +4427,16 @@
           </p:cNvPicPr>
           <p:nvPr/>
         </p:nvPicPr>
-        <p:blipFill rotWithShape="1">
+        <p:blipFill>
           <a:blip r:embed="rId3"/>
-          <a:srcRect b="62222"/>
-          <a:stretch/>
+          <a:stretch>
+            <a:fillRect/>
+          </a:stretch>
         </p:blipFill>
         <p:spPr>
           <a:xfrm>
-            <a:off x="304778" y="1066800"/>
-            <a:ext cx="8534443" cy="3467100"/>
+            <a:off x="804151" y="1039113"/>
+            <a:ext cx="8014069" cy="3297217"/>
           </a:xfrm>
           <a:prstGeom prst="rect">
             <a:avLst/>
@@ -4380,18 +4496,18 @@
           <a:lstStyle/>
           <a:p>
             <a:r>
-              <a:rPr lang="en-US" sz="2400" b="1"/>
-              <a:t>M0: UML Class Diagram &amp; Shared Calendar Setup (50 points)</a:t>
+              <a:rPr lang="en-US" sz="2400" b="1" dirty="0"/>
+              <a:t>Milestone 0.b UML Class Diagram</a:t>
             </a:r>
           </a:p>
         </p:txBody>
       </p:sp>
       <p:pic>
         <p:nvPicPr>
-          <p:cNvPr id="5" name="Picture 4">
+          <p:cNvPr id="4" name="Picture 3">
             <a:extLst>
               <a:ext uri="{FF2B5EF4-FFF2-40B4-BE49-F238E27FC236}">
-                <a16:creationId xmlns:a16="http://schemas.microsoft.com/office/drawing/2014/main" id="{4602BD55-AD71-4C35-ED08-F6D66F07529F}"/>
+                <a16:creationId xmlns:a16="http://schemas.microsoft.com/office/drawing/2014/main" id="{0AC9AD83-84B4-101B-A72F-98E5CA2EEA88}"/>
               </a:ext>
             </a:extLst>
           </p:cNvPr>
@@ -4408,8 +4524,8 @@
         </p:blipFill>
         <p:spPr>
           <a:xfrm>
-            <a:off x="782052" y="889728"/>
-            <a:ext cx="7785038" cy="5744881"/>
+            <a:off x="1247311" y="1023602"/>
+            <a:ext cx="6649378" cy="4810796"/>
           </a:xfrm>
           <a:prstGeom prst="rect">
             <a:avLst/>
@@ -4651,47 +4767,12 @@
           <a:chExt cx="0" cy="0"/>
         </a:xfrm>
       </p:grpSpPr>
-      <p:sp>
-        <p:nvSpPr>
-          <p:cNvPr id="5" name="Title 1">
+      <p:pic>
+        <p:nvPicPr>
+          <p:cNvPr id="3" name="Picture 2">
             <a:extLst>
               <a:ext uri="{FF2B5EF4-FFF2-40B4-BE49-F238E27FC236}">
-                <a16:creationId xmlns:a16="http://schemas.microsoft.com/office/drawing/2014/main" id="{B6C3E36F-DF40-1145-A3F1-3089A77F6EE6}"/>
-              </a:ext>
-            </a:extLst>
-          </p:cNvPr>
-          <p:cNvSpPr>
-            <a:spLocks noGrp="1"/>
-          </p:cNvSpPr>
-          <p:nvPr>
-            <p:ph type="title"/>
-          </p:nvPr>
-        </p:nvSpPr>
-        <p:spPr>
-          <a:xfrm>
-            <a:off x="457200" y="274638"/>
-            <a:ext cx="8229600" cy="411162"/>
-          </a:xfrm>
-        </p:spPr>
-        <p:txBody>
-          <a:bodyPr>
-            <a:normAutofit fontScale="90000"/>
-          </a:bodyPr>
-          <a:lstStyle/>
-          <a:p>
-            <a:r>
-              <a:rPr lang="en-US" sz="2400" b="1"/>
-              <a:t>M1: Levels and Hero Movement (50 points)</a:t>
-            </a:r>
-          </a:p>
-        </p:txBody>
-      </p:sp>
-      <p:pic>
-        <p:nvPicPr>
-          <p:cNvPr id="7" name="Picture 6">
-            <a:extLst>
-              <a:ext uri="{FF2B5EF4-FFF2-40B4-BE49-F238E27FC236}">
-                <a16:creationId xmlns:a16="http://schemas.microsoft.com/office/drawing/2014/main" id="{6EA87882-F2BD-9C86-4EBC-832854B08C32}"/>
+                <a16:creationId xmlns:a16="http://schemas.microsoft.com/office/drawing/2014/main" id="{FD1AED31-5F29-63A1-9284-6F24EFA146D0}"/>
               </a:ext>
             </a:extLst>
           </p:cNvPr>
@@ -4708,14 +4789,49 @@
         </p:blipFill>
         <p:spPr>
           <a:xfrm>
-            <a:off x="1020146" y="685800"/>
-            <a:ext cx="6860483" cy="6096000"/>
+            <a:off x="1204442" y="780680"/>
+            <a:ext cx="6735115" cy="5296639"/>
           </a:xfrm>
           <a:prstGeom prst="rect">
             <a:avLst/>
           </a:prstGeom>
         </p:spPr>
       </p:pic>
+      <p:sp>
+        <p:nvSpPr>
+          <p:cNvPr id="5" name="Title 1">
+            <a:extLst>
+              <a:ext uri="{FF2B5EF4-FFF2-40B4-BE49-F238E27FC236}">
+                <a16:creationId xmlns:a16="http://schemas.microsoft.com/office/drawing/2014/main" id="{B6C3E36F-DF40-1145-A3F1-3089A77F6EE6}"/>
+              </a:ext>
+            </a:extLst>
+          </p:cNvPr>
+          <p:cNvSpPr>
+            <a:spLocks noGrp="1"/>
+          </p:cNvSpPr>
+          <p:nvPr>
+            <p:ph type="title"/>
+          </p:nvPr>
+        </p:nvSpPr>
+        <p:spPr>
+          <a:xfrm>
+            <a:off x="457200" y="274638"/>
+            <a:ext cx="8229600" cy="411162"/>
+          </a:xfrm>
+        </p:spPr>
+        <p:txBody>
+          <a:bodyPr>
+            <a:normAutofit fontScale="90000"/>
+          </a:bodyPr>
+          <a:lstStyle/>
+          <a:p>
+            <a:r>
+              <a:rPr lang="en-US" sz="2400" b="1"/>
+              <a:t>M1: Levels and Hero Movement (50 points)</a:t>
+            </a:r>
+          </a:p>
+        </p:txBody>
+      </p:sp>
       <p:sp>
         <p:nvSpPr>
           <p:cNvPr id="8" name="Arrow: Right 7">
@@ -6021,15 +6137,6 @@
 </file>
 
 <file path=customXml/item1.xml><?xml version="1.0" encoding="utf-8"?>
-<?mso-contentType ?>
-<FormTemplates xmlns="http://schemas.microsoft.com/sharepoint/v3/contenttype/forms">
-  <Display>DocumentLibraryForm</Display>
-  <Edit>DocumentLibraryForm</Edit>
-  <New>DocumentLibraryForm</New>
-</FormTemplates>
-</file>
-
-<file path=customXml/item2.xml><?xml version="1.0" encoding="utf-8"?>
 <p:properties xmlns:p="http://schemas.microsoft.com/office/2006/metadata/properties" xmlns:xsi="http://www.w3.org/2001/XMLSchema-instance" xmlns:pc="http://schemas.microsoft.com/office/infopath/2007/PartnerControls">
   <documentManagement>
     <TaxCatchAll xmlns="820f9cb1-409d-4c4b-8197-1d4f7dd48124" xsi:nil="true"/>
@@ -6038,6 +6145,15 @@
     </lcf76f155ced4ddcb4097134ff3c332f>
   </documentManagement>
 </p:properties>
+</file>
+
+<file path=customXml/item2.xml><?xml version="1.0" encoding="utf-8"?>
+<?mso-contentType ?>
+<FormTemplates xmlns="http://schemas.microsoft.com/sharepoint/v3/contenttype/forms">
+  <Display>DocumentLibraryForm</Display>
+  <Edit>DocumentLibraryForm</Edit>
+  <New>DocumentLibraryForm</New>
+</FormTemplates>
 </file>
 
 <file path=customXml/item3.xml><?xml version="1.0" encoding="utf-8"?>
@@ -6218,14 +6334,6 @@
 </file>
 
 <file path=customXml/itemProps1.xml><?xml version="1.0" encoding="utf-8"?>
-<ds:datastoreItem xmlns:ds="http://schemas.openxmlformats.org/officeDocument/2006/customXml" ds:itemID="{2A7C915E-4009-47CE-94D4-97E75DE59B25}">
-  <ds:schemaRefs>
-    <ds:schemaRef ds:uri="http://schemas.microsoft.com/sharepoint/v3/contenttype/forms"/>
-  </ds:schemaRefs>
-</ds:datastoreItem>
-</file>
-
-<file path=customXml/itemProps2.xml><?xml version="1.0" encoding="utf-8"?>
 <ds:datastoreItem xmlns:ds="http://schemas.openxmlformats.org/officeDocument/2006/customXml" ds:itemID="{5A9CC447-D9E4-472B-8F77-5984014F62A7}">
   <ds:schemaRefs>
     <ds:schemaRef ds:uri="08600313-7276-4ca7-b5d3-7d86193ee0ac"/>
@@ -6238,6 +6346,14 @@
     <ds:schemaRef ds:uri="http://schemas.microsoft.com/office/infopath/2007/PartnerControls"/>
     <ds:schemaRef ds:uri="http://schemas.openxmlformats.org/package/2006/metadata/core-properties"/>
     <ds:schemaRef ds:uri="http://www.w3.org/XML/1998/namespace"/>
+  </ds:schemaRefs>
+</ds:datastoreItem>
+</file>
+
+<file path=customXml/itemProps2.xml><?xml version="1.0" encoding="utf-8"?>
+<ds:datastoreItem xmlns:ds="http://schemas.openxmlformats.org/officeDocument/2006/customXml" ds:itemID="{2A7C915E-4009-47CE-94D4-97E75DE59B25}">
+  <ds:schemaRefs>
+    <ds:schemaRef ds:uri="http://schemas.microsoft.com/sharepoint/v3/contenttype/forms"/>
   </ds:schemaRefs>
 </ds:datastoreItem>
 </file>

--- a/ClassMaterials/EventBasedGameLoop/Slides/Part3-MilestonesM0andM1.pptx
+++ b/ClassMaterials/EventBasedGameLoop/Slides/Part3-MilestonesM0andM1.pptx
@@ -5,10 +5,10 @@
     <p:sldMasterId id="2147484629" r:id="rId4"/>
   </p:sldMasterIdLst>
   <p:notesMasterIdLst>
-    <p:notesMasterId r:id="rId15"/>
+    <p:notesMasterId r:id="rId18"/>
   </p:notesMasterIdLst>
   <p:handoutMasterIdLst>
-    <p:handoutMasterId r:id="rId16"/>
+    <p:handoutMasterId r:id="rId19"/>
   </p:handoutMasterIdLst>
   <p:sldIdLst>
     <p:sldId id="347" r:id="rId5"/>
@@ -21,6 +21,9 @@
     <p:sldId id="346" r:id="rId12"/>
     <p:sldId id="344" r:id="rId13"/>
     <p:sldId id="345" r:id="rId14"/>
+    <p:sldId id="348" r:id="rId15"/>
+    <p:sldId id="349" r:id="rId16"/>
+    <p:sldId id="350" r:id="rId17"/>
   </p:sldIdLst>
   <p:sldSz cx="9144000" cy="6858000" type="screen4x3"/>
   <p:notesSz cx="6881813" cy="9296400"/>
@@ -164,6 +167,9 @@
             <p14:sldId id="346"/>
             <p14:sldId id="344"/>
             <p14:sldId id="345"/>
+            <p14:sldId id="348"/>
+            <p14:sldId id="349"/>
+            <p14:sldId id="350"/>
           </p14:sldIdLst>
         </p14:section>
       </p14:sectionLst>
@@ -198,121 +204,6 @@
 </p:cmAuthorLst>
 </file>
 
-<file path=ppt/changesInfos/changesInfo1.xml><?xml version="1.0" encoding="utf-8"?>
-<pc:chgInfo xmlns:a="http://schemas.openxmlformats.org/drawingml/2006/main" xmlns:r="http://schemas.openxmlformats.org/officeDocument/2006/relationships" xmlns:ac="http://schemas.microsoft.com/office/drawing/2013/main/command" xmlns:pc="http://schemas.microsoft.com/office/powerpoint/2013/main/command">
-  <pc:docChgLst>
-    <pc:chgData name="Yoder, Jason" userId="28f4d4d8-da04-4f86-b14d-a21675737bc5" providerId="ADAL" clId="{96FE0073-F0BD-452C-8952-EEE53110F797}"/>
-    <pc:docChg chg="custSel modSld">
-      <pc:chgData name="Yoder, Jason" userId="28f4d4d8-da04-4f86-b14d-a21675737bc5" providerId="ADAL" clId="{96FE0073-F0BD-452C-8952-EEE53110F797}" dt="2023-10-16T00:37:25.843" v="68" actId="167"/>
-      <pc:docMkLst>
-        <pc:docMk/>
-      </pc:docMkLst>
-      <pc:sldChg chg="addSp delSp modSp mod">
-        <pc:chgData name="Yoder, Jason" userId="28f4d4d8-da04-4f86-b14d-a21675737bc5" providerId="ADAL" clId="{96FE0073-F0BD-452C-8952-EEE53110F797}" dt="2023-10-16T00:36:58.273" v="65" actId="20577"/>
-        <pc:sldMkLst>
-          <pc:docMk/>
-          <pc:sldMk cId="2952723959" sldId="333"/>
-        </pc:sldMkLst>
-        <pc:spChg chg="mod">
-          <ac:chgData name="Yoder, Jason" userId="28f4d4d8-da04-4f86-b14d-a21675737bc5" providerId="ADAL" clId="{96FE0073-F0BD-452C-8952-EEE53110F797}" dt="2023-10-16T00:36:58.273" v="65" actId="20577"/>
-          <ac:spMkLst>
-            <pc:docMk/>
-            <pc:sldMk cId="2952723959" sldId="333"/>
-            <ac:spMk id="2" creationId="{00000000-0000-0000-0000-000000000000}"/>
-          </ac:spMkLst>
-        </pc:spChg>
-        <pc:picChg chg="add del mod">
-          <ac:chgData name="Yoder, Jason" userId="28f4d4d8-da04-4f86-b14d-a21675737bc5" providerId="ADAL" clId="{96FE0073-F0BD-452C-8952-EEE53110F797}" dt="2023-10-16T00:35:37.163" v="21" actId="478"/>
-          <ac:picMkLst>
-            <pc:docMk/>
-            <pc:sldMk cId="2952723959" sldId="333"/>
-            <ac:picMk id="4" creationId="{0F766D9F-F241-4752-EC47-9550C818BCAB}"/>
-          </ac:picMkLst>
-        </pc:picChg>
-        <pc:picChg chg="add del mod">
-          <ac:chgData name="Yoder, Jason" userId="28f4d4d8-da04-4f86-b14d-a21675737bc5" providerId="ADAL" clId="{96FE0073-F0BD-452C-8952-EEE53110F797}" dt="2023-10-16T00:35:37.163" v="21" actId="478"/>
-          <ac:picMkLst>
-            <pc:docMk/>
-            <pc:sldMk cId="2952723959" sldId="333"/>
-            <ac:picMk id="6" creationId="{A4A5DE75-C7C7-0F07-AA4B-0DF6D0889DA2}"/>
-          </ac:picMkLst>
-        </pc:picChg>
-        <pc:picChg chg="add mod">
-          <ac:chgData name="Yoder, Jason" userId="28f4d4d8-da04-4f86-b14d-a21675737bc5" providerId="ADAL" clId="{96FE0073-F0BD-452C-8952-EEE53110F797}" dt="2023-10-16T00:35:43.349" v="24" actId="14100"/>
-          <ac:picMkLst>
-            <pc:docMk/>
-            <pc:sldMk cId="2952723959" sldId="333"/>
-            <ac:picMk id="8" creationId="{26AD70A1-CA52-29C1-7AA1-54642D5A6205}"/>
-          </ac:picMkLst>
-        </pc:picChg>
-        <pc:picChg chg="del">
-          <ac:chgData name="Yoder, Jason" userId="28f4d4d8-da04-4f86-b14d-a21675737bc5" providerId="ADAL" clId="{96FE0073-F0BD-452C-8952-EEE53110F797}" dt="2023-10-16T00:34:50.260" v="0" actId="478"/>
-          <ac:picMkLst>
-            <pc:docMk/>
-            <pc:sldMk cId="2952723959" sldId="333"/>
-            <ac:picMk id="13" creationId="{081CA7F6-9CA6-970E-64B1-AD2F418C22A0}"/>
-          </ac:picMkLst>
-        </pc:picChg>
-      </pc:sldChg>
-      <pc:sldChg chg="addSp delSp modSp mod">
-        <pc:chgData name="Yoder, Jason" userId="28f4d4d8-da04-4f86-b14d-a21675737bc5" providerId="ADAL" clId="{96FE0073-F0BD-452C-8952-EEE53110F797}" dt="2023-10-16T00:37:25.843" v="68" actId="167"/>
-        <pc:sldMkLst>
-          <pc:docMk/>
-          <pc:sldMk cId="1229919121" sldId="334"/>
-        </pc:sldMkLst>
-        <pc:picChg chg="add ord">
-          <ac:chgData name="Yoder, Jason" userId="28f4d4d8-da04-4f86-b14d-a21675737bc5" providerId="ADAL" clId="{96FE0073-F0BD-452C-8952-EEE53110F797}" dt="2023-10-16T00:37:25.843" v="68" actId="167"/>
-          <ac:picMkLst>
-            <pc:docMk/>
-            <pc:sldMk cId="1229919121" sldId="334"/>
-            <ac:picMk id="3" creationId="{FD1AED31-5F29-63A1-9284-6F24EFA146D0}"/>
-          </ac:picMkLst>
-        </pc:picChg>
-        <pc:picChg chg="del">
-          <ac:chgData name="Yoder, Jason" userId="28f4d4d8-da04-4f86-b14d-a21675737bc5" providerId="ADAL" clId="{96FE0073-F0BD-452C-8952-EEE53110F797}" dt="2023-10-16T00:37:22.880" v="66" actId="478"/>
-          <ac:picMkLst>
-            <pc:docMk/>
-            <pc:sldMk cId="1229919121" sldId="334"/>
-            <ac:picMk id="7" creationId="{6EA87882-F2BD-9C86-4EBC-832854B08C32}"/>
-          </ac:picMkLst>
-        </pc:picChg>
-      </pc:sldChg>
-      <pc:sldChg chg="addSp delSp modSp mod">
-        <pc:chgData name="Yoder, Jason" userId="28f4d4d8-da04-4f86-b14d-a21675737bc5" providerId="ADAL" clId="{96FE0073-F0BD-452C-8952-EEE53110F797}" dt="2023-10-16T00:36:13.729" v="41" actId="6549"/>
-        <pc:sldMkLst>
-          <pc:docMk/>
-          <pc:sldMk cId="2131883320" sldId="337"/>
-        </pc:sldMkLst>
-        <pc:spChg chg="mod">
-          <ac:chgData name="Yoder, Jason" userId="28f4d4d8-da04-4f86-b14d-a21675737bc5" providerId="ADAL" clId="{96FE0073-F0BD-452C-8952-EEE53110F797}" dt="2023-10-16T00:36:13.729" v="41" actId="6549"/>
-          <ac:spMkLst>
-            <pc:docMk/>
-            <pc:sldMk cId="2131883320" sldId="337"/>
-            <ac:spMk id="2" creationId="{00000000-0000-0000-0000-000000000000}"/>
-          </ac:spMkLst>
-        </pc:spChg>
-        <pc:picChg chg="add">
-          <ac:chgData name="Yoder, Jason" userId="28f4d4d8-da04-4f86-b14d-a21675737bc5" providerId="ADAL" clId="{96FE0073-F0BD-452C-8952-EEE53110F797}" dt="2023-10-16T00:36:01.971" v="26" actId="22"/>
-          <ac:picMkLst>
-            <pc:docMk/>
-            <pc:sldMk cId="2131883320" sldId="337"/>
-            <ac:picMk id="4" creationId="{0AC9AD83-84B4-101B-A72F-98E5CA2EEA88}"/>
-          </ac:picMkLst>
-        </pc:picChg>
-        <pc:picChg chg="del">
-          <ac:chgData name="Yoder, Jason" userId="28f4d4d8-da04-4f86-b14d-a21675737bc5" providerId="ADAL" clId="{96FE0073-F0BD-452C-8952-EEE53110F797}" dt="2023-10-16T00:35:59.912" v="25" actId="478"/>
-          <ac:picMkLst>
-            <pc:docMk/>
-            <pc:sldMk cId="2131883320" sldId="337"/>
-            <ac:picMk id="5" creationId="{4602BD55-AD71-4C35-ED08-F6D66F07529F}"/>
-          </ac:picMkLst>
-        </pc:picChg>
-      </pc:sldChg>
-    </pc:docChg>
-  </pc:docChgLst>
-</pc:chgInfo>
-</file>
-
 <file path=ppt/handoutMasters/handoutMaster1.xml><?xml version="1.0" encoding="utf-8"?>
 <p:handoutMaster xmlns:a="http://schemas.openxmlformats.org/drawingml/2006/main" xmlns:r="http://schemas.openxmlformats.org/officeDocument/2006/relationships" xmlns:p="http://schemas.openxmlformats.org/presentationml/2006/main">
   <p:cSld>
@@ -427,7 +318,7 @@
             <a:fld id="{68AFFCC9-E980-4A2E-8F84-91052C1F2C22}" type="datetime1">
               <a:rPr lang="en-US"/>
               <a:pPr/>
-              <a:t>10/15/2023</a:t>
+              <a:t>5/4/2025</a:t>
             </a:fld>
             <a:endParaRPr lang="en-US"/>
           </a:p>
@@ -656,7 +547,7 @@
             <a:fld id="{C4411CED-79EF-4046-B79B-F8927B54B6B0}" type="datetime1">
               <a:rPr lang="en-US"/>
               <a:pPr/>
-              <a:t>10/15/2023</a:t>
+              <a:t>5/4/2025</a:t>
             </a:fld>
             <a:endParaRPr lang="en-US"/>
           </a:p>
@@ -1347,7 +1238,7 @@
             <a:fld id="{43E6E5DC-7A70-4CAB-B8CA-FD7CFBA6DDCF}" type="datetime1">
               <a:rPr lang="en-US" smtClean="0"/>
               <a:pPr/>
-              <a:t>10/15/2023</a:t>
+              <a:t>5/4/2025</a:t>
             </a:fld>
             <a:endParaRPr lang="en-US"/>
           </a:p>
@@ -1520,7 +1411,7 @@
             <a:fld id="{34C58A64-F6CF-4D4F-A14E-4E9A6689521C}" type="datetime1">
               <a:rPr lang="en-US" smtClean="0"/>
               <a:pPr/>
-              <a:t>10/15/2023</a:t>
+              <a:t>5/4/2025</a:t>
             </a:fld>
             <a:endParaRPr lang="en-US"/>
           </a:p>
@@ -1703,7 +1594,7 @@
             <a:fld id="{28A961FD-7946-4EF3-8B09-2E96C5099CE1}" type="datetime1">
               <a:rPr lang="en-US" smtClean="0"/>
               <a:pPr/>
-              <a:t>10/15/2023</a:t>
+              <a:t>5/4/2025</a:t>
             </a:fld>
             <a:endParaRPr lang="en-US"/>
           </a:p>
@@ -1876,7 +1767,7 @@
             <a:fld id="{410E03A8-3A50-4824-93B1-5AB2817A85E6}" type="datetime1">
               <a:rPr lang="en-US" smtClean="0"/>
               <a:pPr/>
-              <a:t>10/15/2023</a:t>
+              <a:t>5/4/2025</a:t>
             </a:fld>
             <a:endParaRPr lang="en-US"/>
           </a:p>
@@ -2126,7 +2017,7 @@
             <a:fld id="{69EE78C3-2E3E-4EDD-A8FC-A11FEA9CDF04}" type="datetime1">
               <a:rPr lang="en-US" smtClean="0"/>
               <a:pPr/>
-              <a:t>10/15/2023</a:t>
+              <a:t>5/4/2025</a:t>
             </a:fld>
             <a:endParaRPr lang="en-US"/>
           </a:p>
@@ -2416,7 +2307,7 @@
             <a:fld id="{9CAD6738-AE48-490E-BA60-16B31C3E5798}" type="datetime1">
               <a:rPr lang="en-US" smtClean="0"/>
               <a:pPr/>
-              <a:t>10/15/2023</a:t>
+              <a:t>5/4/2025</a:t>
             </a:fld>
             <a:endParaRPr lang="en-US"/>
           </a:p>
@@ -2840,7 +2731,7 @@
             <a:fld id="{12137309-80BC-4890-B91A-AB9885E172E5}" type="datetime1">
               <a:rPr lang="en-US" smtClean="0"/>
               <a:pPr/>
-              <a:t>10/15/2023</a:t>
+              <a:t>5/4/2025</a:t>
             </a:fld>
             <a:endParaRPr lang="en-US"/>
           </a:p>
@@ -2962,7 +2853,7 @@
             <a:fld id="{79C16A63-0F78-4E9D-81E4-A84E1F25A0A3}" type="datetime1">
               <a:rPr lang="en-US" smtClean="0"/>
               <a:pPr/>
-              <a:t>10/15/2023</a:t>
+              <a:t>5/4/2025</a:t>
             </a:fld>
             <a:endParaRPr lang="en-US"/>
           </a:p>
@@ -3062,7 +2953,7 @@
             <a:fld id="{DC5FF9E9-979C-4422-A1BB-1DC64426F0DA}" type="datetime1">
               <a:rPr lang="en-US" smtClean="0"/>
               <a:pPr/>
-              <a:t>10/15/2023</a:t>
+              <a:t>5/4/2025</a:t>
             </a:fld>
             <a:endParaRPr lang="en-US"/>
           </a:p>
@@ -3342,7 +3233,7 @@
             <a:fld id="{B9B7020D-910B-4676-A902-AD52382F28B6}" type="datetime1">
               <a:rPr lang="en-US" smtClean="0"/>
               <a:pPr/>
-              <a:t>10/15/2023</a:t>
+              <a:t>5/4/2025</a:t>
             </a:fld>
             <a:endParaRPr lang="en-US"/>
           </a:p>
@@ -3599,7 +3490,7 @@
             <a:fld id="{4695FF79-924D-47D6-A727-6A03000C0C91}" type="datetime1">
               <a:rPr lang="en-US" smtClean="0"/>
               <a:pPr/>
-              <a:t>10/15/2023</a:t>
+              <a:t>5/4/2025</a:t>
             </a:fld>
             <a:endParaRPr lang="en-US"/>
           </a:p>
@@ -3815,7 +3706,7 @@
             <a:fld id="{A51E304D-C692-4D58-A925-D35D66927263}" type="datetime1">
               <a:rPr lang="en-US" smtClean="0"/>
               <a:pPr/>
-              <a:t>10/15/2023</a:t>
+              <a:t>5/4/2025</a:t>
             </a:fld>
             <a:endParaRPr lang="en-US"/>
           </a:p>
@@ -4367,6 +4258,714 @@
 </p:sld>
 </file>
 
+<file path=ppt/slides/slide11.xml><?xml version="1.0" encoding="utf-8"?>
+<p:sld xmlns:a="http://schemas.openxmlformats.org/drawingml/2006/main" xmlns:r="http://schemas.openxmlformats.org/officeDocument/2006/relationships" xmlns:p="http://schemas.openxmlformats.org/presentationml/2006/main">
+  <p:cSld>
+    <p:spTree>
+      <p:nvGrpSpPr>
+        <p:cNvPr id="1" name=""/>
+        <p:cNvGrpSpPr/>
+        <p:nvPr/>
+      </p:nvGrpSpPr>
+      <p:grpSpPr>
+        <a:xfrm>
+          <a:off x="0" y="0"/>
+          <a:ext cx="0" cy="0"/>
+          <a:chOff x="0" y="0"/>
+          <a:chExt cx="0" cy="0"/>
+        </a:xfrm>
+      </p:grpSpPr>
+      <p:sp>
+        <p:nvSpPr>
+          <p:cNvPr id="2" name="Title 1">
+            <a:extLst>
+              <a:ext uri="{FF2B5EF4-FFF2-40B4-BE49-F238E27FC236}">
+                <a16:creationId xmlns:a16="http://schemas.microsoft.com/office/drawing/2014/main" id="{6C8BADF2-4C67-A4E4-3D4B-BD1CCB4D26E7}"/>
+              </a:ext>
+            </a:extLst>
+          </p:cNvPr>
+          <p:cNvSpPr>
+            <a:spLocks noGrp="1"/>
+          </p:cNvSpPr>
+          <p:nvPr>
+            <p:ph type="title"/>
+          </p:nvPr>
+        </p:nvSpPr>
+        <p:spPr/>
+        <p:txBody>
+          <a:bodyPr/>
+          <a:lstStyle/>
+          <a:p>
+            <a:r>
+              <a:rPr lang="en-US" dirty="0"/>
+              <a:t>Tester (Teams of 4)</a:t>
+            </a:r>
+          </a:p>
+        </p:txBody>
+      </p:sp>
+      <p:pic>
+        <p:nvPicPr>
+          <p:cNvPr id="4" name="Picture 3">
+            <a:extLst>
+              <a:ext uri="{FF2B5EF4-FFF2-40B4-BE49-F238E27FC236}">
+                <a16:creationId xmlns:a16="http://schemas.microsoft.com/office/drawing/2014/main" id="{00DB0AAC-61A0-DEB1-3634-BB4BF58AA700}"/>
+              </a:ext>
+            </a:extLst>
+          </p:cNvPr>
+          <p:cNvPicPr>
+            <a:picLocks noChangeAspect="1"/>
+          </p:cNvPicPr>
+          <p:nvPr/>
+        </p:nvPicPr>
+        <p:blipFill>
+          <a:blip r:embed="rId2"/>
+          <a:stretch>
+            <a:fillRect/>
+          </a:stretch>
+        </p:blipFill>
+        <p:spPr>
+          <a:xfrm>
+            <a:off x="0" y="1940709"/>
+            <a:ext cx="9144000" cy="2976582"/>
+          </a:xfrm>
+          <a:prstGeom prst="rect">
+            <a:avLst/>
+          </a:prstGeom>
+        </p:spPr>
+      </p:pic>
+    </p:spTree>
+    <p:extLst>
+      <p:ext uri="{BB962C8B-B14F-4D97-AF65-F5344CB8AC3E}">
+        <p14:creationId xmlns:p14="http://schemas.microsoft.com/office/powerpoint/2010/main" val="1241273997"/>
+      </p:ext>
+    </p:extLst>
+  </p:cSld>
+  <p:clrMapOvr>
+    <a:masterClrMapping/>
+  </p:clrMapOvr>
+</p:sld>
+</file>
+
+<file path=ppt/slides/slide12.xml><?xml version="1.0" encoding="utf-8"?>
+<p:sld xmlns:a="http://schemas.openxmlformats.org/drawingml/2006/main" xmlns:r="http://schemas.openxmlformats.org/officeDocument/2006/relationships" xmlns:p="http://schemas.openxmlformats.org/presentationml/2006/main">
+  <p:cSld>
+    <p:spTree>
+      <p:nvGrpSpPr>
+        <p:cNvPr id="1" name=""/>
+        <p:cNvGrpSpPr/>
+        <p:nvPr/>
+      </p:nvGrpSpPr>
+      <p:grpSpPr>
+        <a:xfrm>
+          <a:off x="0" y="0"/>
+          <a:ext cx="0" cy="0"/>
+          <a:chOff x="0" y="0"/>
+          <a:chExt cx="0" cy="0"/>
+        </a:xfrm>
+      </p:grpSpPr>
+      <p:sp>
+        <p:nvSpPr>
+          <p:cNvPr id="2" name="Title 1">
+            <a:extLst>
+              <a:ext uri="{FF2B5EF4-FFF2-40B4-BE49-F238E27FC236}">
+                <a16:creationId xmlns:a16="http://schemas.microsoft.com/office/drawing/2014/main" id="{B691F786-14D1-FCB7-682D-6DB745560160}"/>
+              </a:ext>
+            </a:extLst>
+          </p:cNvPr>
+          <p:cNvSpPr>
+            <a:spLocks noGrp="1"/>
+          </p:cNvSpPr>
+          <p:nvPr>
+            <p:ph type="title"/>
+          </p:nvPr>
+        </p:nvSpPr>
+        <p:spPr/>
+        <p:txBody>
+          <a:bodyPr>
+            <a:normAutofit/>
+          </a:bodyPr>
+          <a:lstStyle/>
+          <a:p>
+            <a:r>
+              <a:rPr lang="en-US" sz="4400" i="0" u="none" strike="noStrike" dirty="0">
+                <a:solidFill>
+                  <a:srgbClr val="000000"/>
+                </a:solidFill>
+                <a:effectLst/>
+              </a:rPr>
+              <a:t>Code Testing Guidelines</a:t>
+            </a:r>
+            <a:endParaRPr lang="en-US" dirty="0"/>
+          </a:p>
+        </p:txBody>
+      </p:sp>
+      <p:sp>
+        <p:nvSpPr>
+          <p:cNvPr id="3" name="Content Placeholder 2">
+            <a:extLst>
+              <a:ext uri="{FF2B5EF4-FFF2-40B4-BE49-F238E27FC236}">
+                <a16:creationId xmlns:a16="http://schemas.microsoft.com/office/drawing/2014/main" id="{C56B86A9-3C91-3F46-0EBF-BCC3FA075C4A}"/>
+              </a:ext>
+            </a:extLst>
+          </p:cNvPr>
+          <p:cNvSpPr>
+            <a:spLocks noGrp="1"/>
+          </p:cNvSpPr>
+          <p:nvPr>
+            <p:ph idx="1"/>
+          </p:nvPr>
+        </p:nvSpPr>
+        <p:spPr>
+          <a:xfrm>
+            <a:off x="375719" y="1417638"/>
+            <a:ext cx="8229600" cy="4856413"/>
+          </a:xfrm>
+        </p:spPr>
+        <p:txBody>
+          <a:bodyPr>
+            <a:normAutofit/>
+          </a:bodyPr>
+          <a:lstStyle/>
+          <a:p>
+            <a:pPr indent="-285750" fontAlgn="base"/>
+            <a:r>
+              <a:rPr lang="en-US" sz="2400" b="0" i="0" u="sng" strike="noStrike" dirty="0">
+                <a:solidFill>
+                  <a:srgbClr val="1155CC"/>
+                </a:solidFill>
+                <a:effectLst/>
+                <a:latin typeface="Times New Roman" panose="02020603050405020304" pitchFamily="18" charset="0"/>
+                <a:hlinkClick r:id="rId2"/>
+              </a:rPr>
+              <a:t>Review slides</a:t>
+            </a:r>
+            <a:r>
+              <a:rPr lang="en-US" sz="2400" b="0" i="0" u="none" strike="noStrike" dirty="0">
+                <a:solidFill>
+                  <a:srgbClr val="000000"/>
+                </a:solidFill>
+                <a:effectLst/>
+                <a:latin typeface="Times New Roman" panose="02020603050405020304" pitchFamily="18" charset="0"/>
+              </a:rPr>
+              <a:t> from the class session on Unit Testing</a:t>
+            </a:r>
+          </a:p>
+          <a:p>
+            <a:pPr indent="-285750" fontAlgn="base"/>
+            <a:r>
+              <a:rPr lang="en-US" sz="2400" b="0" i="0" u="none" strike="noStrike" dirty="0">
+                <a:solidFill>
+                  <a:srgbClr val="000000"/>
+                </a:solidFill>
+                <a:effectLst/>
+                <a:latin typeface="Times New Roman" panose="02020603050405020304" pitchFamily="18" charset="0"/>
+              </a:rPr>
+              <a:t>Include assert statements to cover:</a:t>
+            </a:r>
+          </a:p>
+          <a:p>
+            <a:pPr lvl="1" indent="-228600" fontAlgn="base">
+              <a:buFont typeface="Arial" panose="020B0604020202020204" pitchFamily="34" charset="0"/>
+              <a:buChar char="•"/>
+            </a:pPr>
+            <a:r>
+              <a:rPr lang="en-US" sz="2400" b="0" i="0" u="none" strike="noStrike" dirty="0">
+                <a:solidFill>
+                  <a:srgbClr val="000000"/>
+                </a:solidFill>
+                <a:effectLst/>
+                <a:latin typeface="Times New Roman" panose="02020603050405020304" pitchFamily="18" charset="0"/>
+              </a:rPr>
+              <a:t>The most common cases</a:t>
+            </a:r>
+          </a:p>
+          <a:p>
+            <a:pPr lvl="1" indent="-228600" fontAlgn="base">
+              <a:buFont typeface="Arial" panose="020B0604020202020204" pitchFamily="34" charset="0"/>
+              <a:buChar char="•"/>
+            </a:pPr>
+            <a:r>
+              <a:rPr lang="en-US" sz="2400" b="0" i="0" u="none" strike="noStrike" dirty="0">
+                <a:solidFill>
+                  <a:srgbClr val="000000"/>
+                </a:solidFill>
+                <a:effectLst/>
+                <a:latin typeface="Times New Roman" panose="02020603050405020304" pitchFamily="18" charset="0"/>
+              </a:rPr>
+              <a:t>The edge cases or boundary cases (minimum, maximum, switching from positive to negative, etc.)</a:t>
+            </a:r>
+          </a:p>
+          <a:p>
+            <a:pPr lvl="1" indent="-228600" fontAlgn="base">
+              <a:buFont typeface="Arial" panose="020B0604020202020204" pitchFamily="34" charset="0"/>
+              <a:buChar char="•"/>
+            </a:pPr>
+            <a:r>
+              <a:rPr lang="en-US" sz="2400" b="0" i="0" u="none" strike="noStrike" dirty="0">
+                <a:solidFill>
+                  <a:srgbClr val="000000"/>
+                </a:solidFill>
+                <a:effectLst/>
+                <a:latin typeface="Times New Roman" panose="02020603050405020304" pitchFamily="18" charset="0"/>
+              </a:rPr>
+              <a:t>All specific/special cases (e.g., when 0 or null the behavior is different than for any other value)</a:t>
+            </a:r>
+          </a:p>
+          <a:p>
+            <a:pPr lvl="1" indent="-228600" fontAlgn="base">
+              <a:buFont typeface="Arial" panose="020B0604020202020204" pitchFamily="34" charset="0"/>
+              <a:buChar char="•"/>
+            </a:pPr>
+            <a:r>
+              <a:rPr lang="en-US" sz="2400" b="0" i="0" u="none" strike="noStrike" dirty="0">
+                <a:solidFill>
+                  <a:srgbClr val="000000"/>
+                </a:solidFill>
+                <a:effectLst/>
+                <a:latin typeface="Times New Roman" panose="02020603050405020304" pitchFamily="18" charset="0"/>
+              </a:rPr>
+              <a:t>When you find and fix a defect, then at that same time, create a unit test that would have revealed that defect. </a:t>
+            </a:r>
+          </a:p>
+          <a:p>
+            <a:pPr lvl="1" indent="-228600" fontAlgn="base">
+              <a:buFont typeface="Arial" panose="020B0604020202020204" pitchFamily="34" charset="0"/>
+              <a:buChar char="•"/>
+            </a:pPr>
+            <a:r>
+              <a:rPr lang="en-US" sz="2400" b="0" i="0" u="none" strike="noStrike" dirty="0">
+                <a:solidFill>
+                  <a:srgbClr val="000000"/>
+                </a:solidFill>
+                <a:effectLst/>
+                <a:latin typeface="Times New Roman" panose="02020603050405020304" pitchFamily="18" charset="0"/>
+              </a:rPr>
+              <a:t>Any overly complex code that the items above don’t cover</a:t>
+            </a:r>
+          </a:p>
+          <a:p>
+            <a:pPr indent="-285750" fontAlgn="base"/>
+            <a:endParaRPr lang="en-US" sz="1500" b="0" i="0" u="none" strike="noStrike" dirty="0">
+              <a:solidFill>
+                <a:srgbClr val="000000"/>
+              </a:solidFill>
+              <a:effectLst/>
+              <a:latin typeface="Times New Roman" panose="02020603050405020304" pitchFamily="18" charset="0"/>
+            </a:endParaRPr>
+          </a:p>
+          <a:p>
+            <a:endParaRPr lang="en-US" dirty="0"/>
+          </a:p>
+        </p:txBody>
+      </p:sp>
+    </p:spTree>
+    <p:extLst>
+      <p:ext uri="{BB962C8B-B14F-4D97-AF65-F5344CB8AC3E}">
+        <p14:creationId xmlns:p14="http://schemas.microsoft.com/office/powerpoint/2010/main" val="2835492545"/>
+      </p:ext>
+    </p:extLst>
+  </p:cSld>
+  <p:clrMapOvr>
+    <a:masterClrMapping/>
+  </p:clrMapOvr>
+</p:sld>
+</file>
+
+<file path=ppt/slides/slide13.xml><?xml version="1.0" encoding="utf-8"?>
+<p:sld xmlns:a="http://schemas.openxmlformats.org/drawingml/2006/main" xmlns:r="http://schemas.openxmlformats.org/officeDocument/2006/relationships" xmlns:p="http://schemas.openxmlformats.org/presentationml/2006/main">
+  <p:cSld>
+    <p:spTree>
+      <p:nvGrpSpPr>
+        <p:cNvPr id="1" name="">
+          <a:extLst>
+            <a:ext uri="{FF2B5EF4-FFF2-40B4-BE49-F238E27FC236}">
+              <a16:creationId xmlns:a16="http://schemas.microsoft.com/office/drawing/2014/main" id="{4AC9CB33-A5E8-2104-ABC0-D0B574BAEE15}"/>
+            </a:ext>
+          </a:extLst>
+        </p:cNvPr>
+        <p:cNvGrpSpPr/>
+        <p:nvPr/>
+      </p:nvGrpSpPr>
+      <p:grpSpPr>
+        <a:xfrm>
+          <a:off x="0" y="0"/>
+          <a:ext cx="0" cy="0"/>
+          <a:chOff x="0" y="0"/>
+          <a:chExt cx="0" cy="0"/>
+        </a:xfrm>
+      </p:grpSpPr>
+      <p:sp>
+        <p:nvSpPr>
+          <p:cNvPr id="2" name="Title 1">
+            <a:extLst>
+              <a:ext uri="{FF2B5EF4-FFF2-40B4-BE49-F238E27FC236}">
+                <a16:creationId xmlns:a16="http://schemas.microsoft.com/office/drawing/2014/main" id="{17BCE4BE-C2B2-B9BA-7AF3-CE1EFAC227F3}"/>
+              </a:ext>
+            </a:extLst>
+          </p:cNvPr>
+          <p:cNvSpPr>
+            <a:spLocks noGrp="1"/>
+          </p:cNvSpPr>
+          <p:nvPr>
+            <p:ph type="title"/>
+          </p:nvPr>
+        </p:nvSpPr>
+        <p:spPr/>
+        <p:txBody>
+          <a:bodyPr>
+            <a:normAutofit/>
+          </a:bodyPr>
+          <a:lstStyle/>
+          <a:p>
+            <a:r>
+              <a:rPr lang="en-US" sz="4400" i="0" u="none" strike="noStrike" dirty="0">
+                <a:solidFill>
+                  <a:srgbClr val="000000"/>
+                </a:solidFill>
+                <a:effectLst/>
+              </a:rPr>
+              <a:t>Code Testing Guidelines</a:t>
+            </a:r>
+            <a:endParaRPr lang="en-US" dirty="0"/>
+          </a:p>
+        </p:txBody>
+      </p:sp>
+      <p:sp>
+        <p:nvSpPr>
+          <p:cNvPr id="3" name="Content Placeholder 2">
+            <a:extLst>
+              <a:ext uri="{FF2B5EF4-FFF2-40B4-BE49-F238E27FC236}">
+                <a16:creationId xmlns:a16="http://schemas.microsoft.com/office/drawing/2014/main" id="{F1294081-EBED-5DBC-DF7A-6C6C99258D7B}"/>
+              </a:ext>
+            </a:extLst>
+          </p:cNvPr>
+          <p:cNvSpPr>
+            <a:spLocks noGrp="1"/>
+          </p:cNvSpPr>
+          <p:nvPr>
+            <p:ph idx="1"/>
+          </p:nvPr>
+        </p:nvSpPr>
+        <p:spPr>
+          <a:xfrm>
+            <a:off x="375719" y="1417638"/>
+            <a:ext cx="8229600" cy="5236659"/>
+          </a:xfrm>
+        </p:spPr>
+        <p:txBody>
+          <a:bodyPr>
+            <a:normAutofit fontScale="92500" lnSpcReduction="20000"/>
+          </a:bodyPr>
+          <a:lstStyle/>
+          <a:p>
+            <a:pPr indent="-285750" fontAlgn="base"/>
+            <a:r>
+              <a:rPr lang="en-US" sz="1800" b="0" i="0" u="none" strike="noStrike" dirty="0">
+                <a:solidFill>
+                  <a:srgbClr val="000000"/>
+                </a:solidFill>
+                <a:effectLst/>
+                <a:latin typeface="Times New Roman" panose="02020603050405020304" pitchFamily="18" charset="0"/>
+              </a:rPr>
+              <a:t>You should decide which code would be most helpful to test. The tests should be useful for your project and nontrivial. Here are some </a:t>
+            </a:r>
+            <a:r>
+              <a:rPr lang="en-US" sz="1800" b="0" i="1" u="none" strike="noStrike" dirty="0">
+                <a:solidFill>
+                  <a:srgbClr val="000000"/>
+                </a:solidFill>
+                <a:effectLst/>
+                <a:latin typeface="Times New Roman" panose="02020603050405020304" pitchFamily="18" charset="0"/>
+              </a:rPr>
+              <a:t>suggestions</a:t>
+            </a:r>
+            <a:r>
+              <a:rPr lang="en-US" sz="1800" b="0" i="0" u="none" strike="noStrike" dirty="0">
+                <a:solidFill>
+                  <a:srgbClr val="000000"/>
+                </a:solidFill>
+                <a:effectLst/>
+                <a:latin typeface="Times New Roman" panose="02020603050405020304" pitchFamily="18" charset="0"/>
+              </a:rPr>
+              <a:t>, but similarly scoped tests could be used instead:</a:t>
+            </a:r>
+          </a:p>
+          <a:p>
+            <a:pPr lvl="1" indent="-228600" fontAlgn="base">
+              <a:buFont typeface="Arial" panose="020B0604020202020204" pitchFamily="34" charset="0"/>
+              <a:buChar char="•"/>
+            </a:pPr>
+            <a:r>
+              <a:rPr lang="en-US" sz="1800" b="0" i="0" u="none" strike="noStrike" dirty="0">
+                <a:solidFill>
+                  <a:srgbClr val="000000"/>
+                </a:solidFill>
+                <a:effectLst/>
+                <a:latin typeface="Times New Roman" panose="02020603050405020304" pitchFamily="18" charset="0"/>
+              </a:rPr>
+              <a:t>Milestone 1 - Make sure that a file is read in properly, correctly instantiates objects, and confirms their correct properties. (</a:t>
+            </a:r>
+            <a:r>
+              <a:rPr lang="en-US" sz="1800" b="0" i="1" u="none" strike="noStrike" dirty="0">
+                <a:solidFill>
+                  <a:srgbClr val="000000"/>
+                </a:solidFill>
+                <a:effectLst/>
+                <a:latin typeface="Times New Roman" panose="02020603050405020304" pitchFamily="18" charset="0"/>
+              </a:rPr>
+              <a:t>e.g., load level1.txt and make sure a Hero is created and positioned properly at (20,40)</a:t>
+            </a:r>
+            <a:r>
+              <a:rPr lang="en-US" sz="1800" b="0" i="0" u="none" strike="noStrike" dirty="0">
+                <a:solidFill>
+                  <a:srgbClr val="000000"/>
+                </a:solidFill>
+                <a:effectLst/>
+                <a:latin typeface="Times New Roman" panose="02020603050405020304" pitchFamily="18" charset="0"/>
+              </a:rPr>
+              <a:t>). </a:t>
+            </a:r>
+          </a:p>
+          <a:p>
+            <a:pPr lvl="1" indent="-228600" fontAlgn="base">
+              <a:buFont typeface="Arial" panose="020B0604020202020204" pitchFamily="34" charset="0"/>
+              <a:buChar char="•"/>
+            </a:pPr>
+            <a:r>
+              <a:rPr lang="en-US" sz="1800" b="0" i="0" u="none" strike="noStrike" dirty="0">
+                <a:solidFill>
+                  <a:srgbClr val="000000"/>
+                </a:solidFill>
+                <a:effectLst/>
+                <a:latin typeface="Times New Roman" panose="02020603050405020304" pitchFamily="18" charset="0"/>
+              </a:rPr>
+              <a:t>Milestone 2 - Make sure that the Hero obeys Gravity and collisions with platforms (</a:t>
+            </a:r>
+            <a:r>
+              <a:rPr lang="en-US" sz="1800" b="0" i="1" u="none" strike="noStrike" dirty="0">
+                <a:solidFill>
+                  <a:srgbClr val="000000"/>
+                </a:solidFill>
+                <a:effectLst/>
+                <a:latin typeface="Times New Roman" panose="02020603050405020304" pitchFamily="18" charset="0"/>
+              </a:rPr>
+              <a:t>e.g.,</a:t>
+            </a:r>
+            <a:r>
+              <a:rPr lang="en-US" sz="1800" b="0" i="0" u="none" strike="noStrike" dirty="0">
+                <a:solidFill>
+                  <a:srgbClr val="000000"/>
+                </a:solidFill>
+                <a:effectLst/>
+                <a:latin typeface="Times New Roman" panose="02020603050405020304" pitchFamily="18" charset="0"/>
+              </a:rPr>
+              <a:t> </a:t>
+            </a:r>
+            <a:r>
+              <a:rPr lang="en-US" sz="1800" b="0" i="1" u="none" strike="noStrike" dirty="0">
+                <a:solidFill>
+                  <a:srgbClr val="000000"/>
+                </a:solidFill>
+                <a:effectLst/>
+                <a:latin typeface="Times New Roman" panose="02020603050405020304" pitchFamily="18" charset="0"/>
+              </a:rPr>
+              <a:t>create a Hero that is created at position (20,40), falls at the rate of gravity until hitting a platform below it (20, 400). Make sure the Hero’s position is correct at each step and that the Hero’s position is correct after calling the relevant collision and update code.</a:t>
+            </a:r>
+            <a:r>
+              <a:rPr lang="en-US" sz="1800" b="0" i="0" u="none" strike="noStrike" dirty="0">
+                <a:solidFill>
+                  <a:srgbClr val="000000"/>
+                </a:solidFill>
+                <a:effectLst/>
+                <a:latin typeface="Times New Roman" panose="02020603050405020304" pitchFamily="18" charset="0"/>
+              </a:rPr>
+              <a:t>)</a:t>
+            </a:r>
+          </a:p>
+          <a:p>
+            <a:pPr lvl="1" indent="-228600" fontAlgn="base">
+              <a:buFont typeface="Arial" panose="020B0604020202020204" pitchFamily="34" charset="0"/>
+              <a:buChar char="•"/>
+            </a:pPr>
+            <a:r>
+              <a:rPr lang="en-US" sz="1800" b="0" i="0" u="none" strike="noStrike" dirty="0">
+                <a:solidFill>
+                  <a:srgbClr val="000000"/>
+                </a:solidFill>
+                <a:effectLst/>
+                <a:latin typeface="Times New Roman" panose="02020603050405020304" pitchFamily="18" charset="0"/>
+              </a:rPr>
+              <a:t>Milestone 3 - Verify that a collision between a Hero and an Enemy is processed correctly as desired. (</a:t>
+            </a:r>
+            <a:r>
+              <a:rPr lang="en-US" sz="1800" b="0" i="1" u="none" strike="noStrike" dirty="0">
+                <a:solidFill>
+                  <a:srgbClr val="000000"/>
+                </a:solidFill>
+                <a:effectLst/>
+                <a:latin typeface="Times New Roman" panose="02020603050405020304" pitchFamily="18" charset="0"/>
+              </a:rPr>
+              <a:t>e.g., You can create a Hero and an Enemy, and then call the relevant code to handle their collision and make appropriate updates to each object, i.e., killing the Hero or killing the Enemy and increasing the score, etc.</a:t>
+            </a:r>
+            <a:r>
+              <a:rPr lang="en-US" sz="1800" b="0" i="0" u="none" strike="noStrike" dirty="0">
+                <a:solidFill>
+                  <a:srgbClr val="000000"/>
+                </a:solidFill>
+                <a:effectLst/>
+                <a:latin typeface="Times New Roman" panose="02020603050405020304" pitchFamily="18" charset="0"/>
+              </a:rPr>
+              <a:t>)</a:t>
+            </a:r>
+          </a:p>
+          <a:p>
+            <a:pPr lvl="1" indent="-228600" fontAlgn="base">
+              <a:buFont typeface="Arial" panose="020B0604020202020204" pitchFamily="34" charset="0"/>
+              <a:buChar char="•"/>
+            </a:pPr>
+            <a:r>
+              <a:rPr lang="en-US" sz="1800" b="0" i="0" u="none" strike="noStrike" dirty="0">
+                <a:solidFill>
+                  <a:srgbClr val="000000"/>
+                </a:solidFill>
+                <a:effectLst/>
+                <a:latin typeface="Times New Roman" panose="02020603050405020304" pitchFamily="18" charset="0"/>
+              </a:rPr>
+              <a:t>Milestone 4 - Pick one of your bonus additional features and create tests to make sure that they work as desired.</a:t>
+            </a:r>
+          </a:p>
+          <a:p>
+            <a:pPr indent="-285750" fontAlgn="base">
+              <a:spcAft>
+                <a:spcPts val="1000"/>
+              </a:spcAft>
+            </a:pPr>
+            <a:r>
+              <a:rPr lang="en-US" sz="1800" b="0" i="0" u="none" strike="noStrike" dirty="0">
+                <a:solidFill>
+                  <a:srgbClr val="000000"/>
+                </a:solidFill>
+                <a:effectLst/>
+                <a:latin typeface="Times New Roman" panose="02020603050405020304" pitchFamily="18" charset="0"/>
+              </a:rPr>
+              <a:t>Although not required, one approach to software development is </a:t>
+            </a:r>
+            <a:r>
+              <a:rPr lang="en-US" sz="1800" b="1" i="0" u="sng" strike="noStrike" dirty="0">
+                <a:solidFill>
+                  <a:srgbClr val="000000"/>
+                </a:solidFill>
+                <a:effectLst/>
+                <a:latin typeface="Times New Roman" panose="02020603050405020304" pitchFamily="18" charset="0"/>
+              </a:rPr>
+              <a:t>T</a:t>
+            </a:r>
+            <a:r>
+              <a:rPr lang="en-US" sz="1800" b="0" i="0" u="none" strike="noStrike" dirty="0">
+                <a:solidFill>
+                  <a:srgbClr val="000000"/>
+                </a:solidFill>
+                <a:effectLst/>
+                <a:latin typeface="Times New Roman" panose="02020603050405020304" pitchFamily="18" charset="0"/>
+              </a:rPr>
+              <a:t>est </a:t>
+            </a:r>
+            <a:r>
+              <a:rPr lang="en-US" sz="1800" b="1" i="0" u="sng" strike="noStrike" dirty="0">
+                <a:solidFill>
+                  <a:srgbClr val="000000"/>
+                </a:solidFill>
+                <a:effectLst/>
+                <a:latin typeface="Times New Roman" panose="02020603050405020304" pitchFamily="18" charset="0"/>
+              </a:rPr>
+              <a:t>D</a:t>
+            </a:r>
+            <a:r>
+              <a:rPr lang="en-US" sz="1800" b="0" i="0" u="none" strike="noStrike" dirty="0">
+                <a:solidFill>
+                  <a:srgbClr val="000000"/>
+                </a:solidFill>
+                <a:effectLst/>
+                <a:latin typeface="Times New Roman" panose="02020603050405020304" pitchFamily="18" charset="0"/>
+              </a:rPr>
+              <a:t>riven </a:t>
+            </a:r>
+            <a:r>
+              <a:rPr lang="en-US" sz="1800" b="1" i="0" u="sng" strike="noStrike" dirty="0">
+                <a:solidFill>
+                  <a:srgbClr val="000000"/>
+                </a:solidFill>
+                <a:effectLst/>
+                <a:latin typeface="Times New Roman" panose="02020603050405020304" pitchFamily="18" charset="0"/>
+              </a:rPr>
+              <a:t>D</a:t>
+            </a:r>
+            <a:r>
+              <a:rPr lang="en-US" sz="1800" b="0" i="0" u="none" strike="noStrike" dirty="0">
+                <a:solidFill>
+                  <a:srgbClr val="000000"/>
+                </a:solidFill>
+                <a:effectLst/>
+                <a:latin typeface="Times New Roman" panose="02020603050405020304" pitchFamily="18" charset="0"/>
+              </a:rPr>
+              <a:t>evelopment (</a:t>
+            </a:r>
+            <a:r>
+              <a:rPr lang="en-US" sz="1800" b="0" i="0" u="sng" strike="noStrike" dirty="0">
+                <a:solidFill>
+                  <a:srgbClr val="1155CC"/>
+                </a:solidFill>
+                <a:effectLst/>
+                <a:latin typeface="Times New Roman" panose="02020603050405020304" pitchFamily="18" charset="0"/>
+                <a:hlinkClick r:id="rId2"/>
+              </a:rPr>
+              <a:t>TDD</a:t>
+            </a:r>
+            <a:r>
+              <a:rPr lang="en-US" sz="1800" b="0" i="0" u="none" strike="noStrike" dirty="0">
+                <a:solidFill>
+                  <a:srgbClr val="000000"/>
+                </a:solidFill>
+                <a:effectLst/>
+                <a:latin typeface="Times New Roman" panose="02020603050405020304" pitchFamily="18" charset="0"/>
+              </a:rPr>
+              <a:t>).</a:t>
+            </a:r>
+          </a:p>
+          <a:p>
+            <a:pPr lvl="1" indent="-228600" fontAlgn="base">
+              <a:buFont typeface="Arial" panose="020B0604020202020204" pitchFamily="34" charset="0"/>
+              <a:buChar char="•"/>
+            </a:pPr>
+            <a:r>
+              <a:rPr lang="en-US" sz="1800" b="0" i="0" u="none" strike="noStrike" dirty="0">
+                <a:solidFill>
+                  <a:srgbClr val="000000"/>
+                </a:solidFill>
+                <a:effectLst/>
+                <a:latin typeface="Times New Roman" panose="02020603050405020304" pitchFamily="18" charset="0"/>
+              </a:rPr>
+              <a:t>We encourage you to employ TDD for at least one of these unit tests, Milestone 4 might be a good one since you will need to define how things should operate for a special feature.</a:t>
+            </a:r>
+          </a:p>
+          <a:p>
+            <a:endParaRPr lang="en-US" dirty="0"/>
+          </a:p>
+        </p:txBody>
+      </p:sp>
+    </p:spTree>
+    <p:extLst>
+      <p:ext uri="{BB962C8B-B14F-4D97-AF65-F5344CB8AC3E}">
+        <p14:creationId xmlns:p14="http://schemas.microsoft.com/office/powerpoint/2010/main" val="3793084648"/>
+      </p:ext>
+    </p:extLst>
+  </p:cSld>
+  <p:clrMapOvr>
+    <a:masterClrMapping/>
+  </p:clrMapOvr>
+</p:sld>
+</file>
+
 <file path=ppt/slides/slide2.xml><?xml version="1.0" encoding="utf-8"?>
 <p:sld xmlns:a="http://schemas.openxmlformats.org/drawingml/2006/main" xmlns:r="http://schemas.openxmlformats.org/officeDocument/2006/relationships" xmlns:p="http://schemas.openxmlformats.org/presentationml/2006/main">
   <p:cSld>
@@ -4926,8 +5525,8 @@
         </p:nvSpPr>
         <p:spPr>
           <a:xfrm>
-            <a:off x="457200" y="42565"/>
-            <a:ext cx="8229600" cy="703393"/>
+            <a:off x="0" y="42565"/>
+            <a:ext cx="8951053" cy="703393"/>
           </a:xfrm>
         </p:spPr>
         <p:txBody>
@@ -4940,7 +5539,7 @@
               <a:rPr lang="en-US" dirty="0">
                 <a:hlinkClick r:id="rId2"/>
               </a:rPr>
-              <a:t>RND – Reviewer, Navigator, Driver</a:t>
+              <a:t>RND+T – Reviewer, Navigator, Drive, Tester</a:t>
             </a:r>
             <a:endParaRPr lang="en-US" dirty="0"/>
           </a:p>
@@ -6137,6 +6736,15 @@
 </file>
 
 <file path=customXml/item1.xml><?xml version="1.0" encoding="utf-8"?>
+<?mso-contentType ?>
+<FormTemplates xmlns="http://schemas.microsoft.com/sharepoint/v3/contenttype/forms">
+  <Display>DocumentLibraryForm</Display>
+  <Edit>DocumentLibraryForm</Edit>
+  <New>DocumentLibraryForm</New>
+</FormTemplates>
+</file>
+
+<file path=customXml/item2.xml><?xml version="1.0" encoding="utf-8"?>
 <p:properties xmlns:p="http://schemas.microsoft.com/office/2006/metadata/properties" xmlns:xsi="http://www.w3.org/2001/XMLSchema-instance" xmlns:pc="http://schemas.microsoft.com/office/infopath/2007/PartnerControls">
   <documentManagement>
     <TaxCatchAll xmlns="820f9cb1-409d-4c4b-8197-1d4f7dd48124" xsi:nil="true"/>
@@ -6145,15 +6753,6 @@
     </lcf76f155ced4ddcb4097134ff3c332f>
   </documentManagement>
 </p:properties>
-</file>
-
-<file path=customXml/item2.xml><?xml version="1.0" encoding="utf-8"?>
-<?mso-contentType ?>
-<FormTemplates xmlns="http://schemas.microsoft.com/sharepoint/v3/contenttype/forms">
-  <Display>DocumentLibraryForm</Display>
-  <Edit>DocumentLibraryForm</Edit>
-  <New>DocumentLibraryForm</New>
-</FormTemplates>
 </file>
 
 <file path=customXml/item3.xml><?xml version="1.0" encoding="utf-8"?>
@@ -6334,6 +6933,14 @@
 </file>
 
 <file path=customXml/itemProps1.xml><?xml version="1.0" encoding="utf-8"?>
+<ds:datastoreItem xmlns:ds="http://schemas.openxmlformats.org/officeDocument/2006/customXml" ds:itemID="{2A7C915E-4009-47CE-94D4-97E75DE59B25}">
+  <ds:schemaRefs>
+    <ds:schemaRef ds:uri="http://schemas.microsoft.com/sharepoint/v3/contenttype/forms"/>
+  </ds:schemaRefs>
+</ds:datastoreItem>
+</file>
+
+<file path=customXml/itemProps2.xml><?xml version="1.0" encoding="utf-8"?>
 <ds:datastoreItem xmlns:ds="http://schemas.openxmlformats.org/officeDocument/2006/customXml" ds:itemID="{5A9CC447-D9E4-472B-8F77-5984014F62A7}">
   <ds:schemaRefs>
     <ds:schemaRef ds:uri="08600313-7276-4ca7-b5d3-7d86193ee0ac"/>
@@ -6346,14 +6953,6 @@
     <ds:schemaRef ds:uri="http://schemas.microsoft.com/office/infopath/2007/PartnerControls"/>
     <ds:schemaRef ds:uri="http://schemas.openxmlformats.org/package/2006/metadata/core-properties"/>
     <ds:schemaRef ds:uri="http://www.w3.org/XML/1998/namespace"/>
-  </ds:schemaRefs>
-</ds:datastoreItem>
-</file>
-
-<file path=customXml/itemProps2.xml><?xml version="1.0" encoding="utf-8"?>
-<ds:datastoreItem xmlns:ds="http://schemas.openxmlformats.org/officeDocument/2006/customXml" ds:itemID="{2A7C915E-4009-47CE-94D4-97E75DE59B25}">
-  <ds:schemaRefs>
-    <ds:schemaRef ds:uri="http://schemas.microsoft.com/sharepoint/v3/contenttype/forms"/>
   </ds:schemaRefs>
 </ds:datastoreItem>
 </file>
